--- a/TFCONTROLE.pptx
+++ b/TFCONTROLE.pptx
@@ -71,7 +71,7 @@
         <p:spPr>
           <a:xfrm>
             <a:off x="1506960" y="2404440"/>
-            <a:ext cx="7766280" cy="1645560"/>
+            <a:ext cx="7765920" cy="1645200"/>
           </a:xfrm>
           <a:prstGeom prst="rect">
             <a:avLst/>
@@ -108,7 +108,7 @@
         <p:spPr>
           <a:xfrm>
             <a:off x="609480" y="1604520"/>
-            <a:ext cx="10972440" cy="1896840"/>
+            <a:ext cx="10972080" cy="1896840"/>
           </a:xfrm>
           <a:prstGeom prst="rect">
             <a:avLst/>
@@ -144,7 +144,7 @@
         <p:spPr>
           <a:xfrm>
             <a:off x="609480" y="3682080"/>
-            <a:ext cx="10972440" cy="1896840"/>
+            <a:ext cx="10972080" cy="1896840"/>
           </a:xfrm>
           <a:prstGeom prst="rect">
             <a:avLst/>
@@ -202,7 +202,7 @@
         <p:spPr>
           <a:xfrm>
             <a:off x="1506960" y="2404440"/>
-            <a:ext cx="7766280" cy="1645560"/>
+            <a:ext cx="7765920" cy="1645200"/>
           </a:xfrm>
           <a:prstGeom prst="rect">
             <a:avLst/>
@@ -405,7 +405,7 @@
         <p:spPr>
           <a:xfrm>
             <a:off x="1506960" y="2404440"/>
-            <a:ext cx="7766280" cy="1645560"/>
+            <a:ext cx="7765920" cy="1645200"/>
           </a:xfrm>
           <a:prstGeom prst="rect">
             <a:avLst/>
@@ -442,7 +442,7 @@
         <p:spPr>
           <a:xfrm>
             <a:off x="609480" y="1604520"/>
-            <a:ext cx="10972440" cy="3977280"/>
+            <a:ext cx="10972080" cy="3976920"/>
           </a:xfrm>
           <a:prstGeom prst="rect">
             <a:avLst/>
@@ -478,7 +478,7 @@
         <p:spPr>
           <a:xfrm>
             <a:off x="609480" y="1604520"/>
-            <a:ext cx="10972440" cy="3977280"/>
+            <a:ext cx="10972080" cy="3976920"/>
           </a:xfrm>
           <a:prstGeom prst="rect">
             <a:avLst/>
@@ -513,8 +513,8 @@
         </p:blipFill>
         <p:spPr>
           <a:xfrm>
-            <a:off x="3602880" y="1604520"/>
-            <a:ext cx="4984920" cy="3977280"/>
+            <a:off x="3603240" y="1604160"/>
+            <a:ext cx="4984200" cy="3976920"/>
           </a:xfrm>
           <a:prstGeom prst="rect">
             <a:avLst/>
@@ -536,8 +536,8 @@
         </p:blipFill>
         <p:spPr>
           <a:xfrm>
-            <a:off x="3602880" y="1604520"/>
-            <a:ext cx="4984920" cy="3977280"/>
+            <a:off x="3603240" y="1604160"/>
+            <a:ext cx="4984200" cy="3976920"/>
           </a:xfrm>
           <a:prstGeom prst="rect">
             <a:avLst/>
@@ -582,7 +582,7 @@
         <p:spPr>
           <a:xfrm>
             <a:off x="1506960" y="2404440"/>
-            <a:ext cx="7766280" cy="1645560"/>
+            <a:ext cx="7765920" cy="1645200"/>
           </a:xfrm>
           <a:prstGeom prst="rect">
             <a:avLst/>
@@ -619,7 +619,7 @@
         <p:spPr>
           <a:xfrm>
             <a:off x="609480" y="1604520"/>
-            <a:ext cx="10972440" cy="3977280"/>
+            <a:ext cx="10972080" cy="3976920"/>
           </a:xfrm>
           <a:prstGeom prst="rect">
             <a:avLst/>
@@ -678,7 +678,7 @@
         <p:spPr>
           <a:xfrm>
             <a:off x="1506960" y="2404440"/>
-            <a:ext cx="7766280" cy="1645560"/>
+            <a:ext cx="7765920" cy="1645200"/>
           </a:xfrm>
           <a:prstGeom prst="rect">
             <a:avLst/>
@@ -715,7 +715,7 @@
         <p:spPr>
           <a:xfrm>
             <a:off x="609480" y="1604520"/>
-            <a:ext cx="10972440" cy="3977280"/>
+            <a:ext cx="10972080" cy="3976920"/>
           </a:xfrm>
           <a:prstGeom prst="rect">
             <a:avLst/>
@@ -773,7 +773,7 @@
         <p:spPr>
           <a:xfrm>
             <a:off x="1506960" y="2404440"/>
-            <a:ext cx="7766280" cy="1645560"/>
+            <a:ext cx="7765920" cy="1645200"/>
           </a:xfrm>
           <a:prstGeom prst="rect">
             <a:avLst/>
@@ -810,7 +810,7 @@
         <p:spPr>
           <a:xfrm>
             <a:off x="609480" y="1604520"/>
-            <a:ext cx="5354280" cy="3977280"/>
+            <a:ext cx="5354280" cy="3976920"/>
           </a:xfrm>
           <a:prstGeom prst="rect">
             <a:avLst/>
@@ -846,7 +846,7 @@
         <p:spPr>
           <a:xfrm>
             <a:off x="6231960" y="1604520"/>
-            <a:ext cx="5354280" cy="3977280"/>
+            <a:ext cx="5354280" cy="3976920"/>
           </a:xfrm>
           <a:prstGeom prst="rect">
             <a:avLst/>
@@ -904,7 +904,7 @@
         <p:spPr>
           <a:xfrm>
             <a:off x="1506960" y="2404440"/>
-            <a:ext cx="7766280" cy="1645560"/>
+            <a:ext cx="7765920" cy="1645200"/>
           </a:xfrm>
           <a:prstGeom prst="rect">
             <a:avLst/>
@@ -963,7 +963,7 @@
         <p:spPr>
           <a:xfrm>
             <a:off x="1506960" y="2404440"/>
-            <a:ext cx="7766280" cy="7629120"/>
+            <a:ext cx="7765920" cy="7627320"/>
           </a:xfrm>
           <a:prstGeom prst="rect">
             <a:avLst/>
@@ -1022,7 +1022,7 @@
         <p:spPr>
           <a:xfrm>
             <a:off x="1506960" y="2404440"/>
-            <a:ext cx="7766280" cy="1645560"/>
+            <a:ext cx="7765920" cy="1645200"/>
           </a:xfrm>
           <a:prstGeom prst="rect">
             <a:avLst/>
@@ -1131,7 +1131,7 @@
         <p:spPr>
           <a:xfrm>
             <a:off x="6231960" y="1604520"/>
-            <a:ext cx="5354280" cy="3977280"/>
+            <a:ext cx="5354280" cy="3976920"/>
           </a:xfrm>
           <a:prstGeom prst="rect">
             <a:avLst/>
@@ -1189,7 +1189,7 @@
         <p:spPr>
           <a:xfrm>
             <a:off x="1506960" y="2404440"/>
-            <a:ext cx="7766280" cy="1645560"/>
+            <a:ext cx="7765920" cy="1645200"/>
           </a:xfrm>
           <a:prstGeom prst="rect">
             <a:avLst/>
@@ -1226,7 +1226,7 @@
         <p:spPr>
           <a:xfrm>
             <a:off x="609480" y="1604520"/>
-            <a:ext cx="5354280" cy="3977280"/>
+            <a:ext cx="5354280" cy="3976920"/>
           </a:xfrm>
           <a:prstGeom prst="rect">
             <a:avLst/>
@@ -1356,7 +1356,7 @@
         <p:spPr>
           <a:xfrm>
             <a:off x="1506960" y="2404440"/>
-            <a:ext cx="7766280" cy="1645560"/>
+            <a:ext cx="7765920" cy="1645200"/>
           </a:xfrm>
           <a:prstGeom prst="rect">
             <a:avLst/>
@@ -1465,7 +1465,7 @@
         <p:spPr>
           <a:xfrm>
             <a:off x="609480" y="3682080"/>
-            <a:ext cx="10972440" cy="1896840"/>
+            <a:ext cx="10972080" cy="1896840"/>
           </a:xfrm>
           <a:prstGeom prst="rect">
             <a:avLst/>
@@ -1598,7 +1598,7 @@
         <p:spPr>
           <a:xfrm>
             <a:off x="9181440" y="-8640"/>
-            <a:ext cx="3006720" cy="6865920"/>
+            <a:ext cx="3006360" cy="6865560"/>
           </a:xfrm>
           <a:custGeom>
             <a:avLst/>
@@ -1664,7 +1664,7 @@
         <p:spPr>
           <a:xfrm>
             <a:off x="9603360" y="-8640"/>
-            <a:ext cx="2587680" cy="6865920"/>
+            <a:ext cx="2587320" cy="6865560"/>
           </a:xfrm>
           <a:custGeom>
             <a:avLst/>
@@ -1730,7 +1730,7 @@
         <p:spPr>
           <a:xfrm>
             <a:off x="8932320" y="3048120"/>
-            <a:ext cx="3259080" cy="3809160"/>
+            <a:ext cx="3258720" cy="3808800"/>
           </a:xfrm>
           <a:prstGeom prst="triangle">
             <a:avLst>
@@ -1775,7 +1775,7 @@
         <p:spPr>
           <a:xfrm>
             <a:off x="9334440" y="-8640"/>
-            <a:ext cx="2853720" cy="6865920"/>
+            <a:ext cx="2853360" cy="6865560"/>
           </a:xfrm>
           <a:custGeom>
             <a:avLst/>
@@ -1842,7 +1842,7 @@
         <p:spPr>
           <a:xfrm>
             <a:off x="10898640" y="-8640"/>
-            <a:ext cx="1289520" cy="6865920"/>
+            <a:ext cx="1289160" cy="6865560"/>
           </a:xfrm>
           <a:custGeom>
             <a:avLst/>
@@ -1910,7 +1910,7 @@
         <p:spPr>
           <a:xfrm>
             <a:off x="10938960" y="-8640"/>
-            <a:ext cx="1249200" cy="6865920"/>
+            <a:ext cx="1248840" cy="6865560"/>
           </a:xfrm>
           <a:custGeom>
             <a:avLst/>
@@ -1976,7 +1976,7 @@
         <p:spPr>
           <a:xfrm>
             <a:off x="10371600" y="3589920"/>
-            <a:ext cx="1816560" cy="3267360"/>
+            <a:ext cx="1816200" cy="3267000"/>
           </a:xfrm>
           <a:prstGeom prst="triangle">
             <a:avLst>
@@ -2021,7 +2021,7 @@
         <p:spPr>
           <a:xfrm>
             <a:off x="0" y="4013280"/>
-            <a:ext cx="447840" cy="2844000"/>
+            <a:ext cx="447480" cy="2843640"/>
           </a:xfrm>
           <a:prstGeom prst="triangle">
             <a:avLst>
@@ -2138,7 +2138,7 @@
         <p:spPr>
           <a:xfrm>
             <a:off x="9181440" y="-8640"/>
-            <a:ext cx="3006720" cy="6865920"/>
+            <a:ext cx="3006360" cy="6865560"/>
           </a:xfrm>
           <a:custGeom>
             <a:avLst/>
@@ -2204,7 +2204,7 @@
         <p:spPr>
           <a:xfrm>
             <a:off x="9603360" y="-8640"/>
-            <a:ext cx="2587680" cy="6865920"/>
+            <a:ext cx="2587320" cy="6865560"/>
           </a:xfrm>
           <a:custGeom>
             <a:avLst/>
@@ -2270,7 +2270,7 @@
         <p:spPr>
           <a:xfrm>
             <a:off x="8932320" y="3048120"/>
-            <a:ext cx="3259080" cy="3809160"/>
+            <a:ext cx="3258720" cy="3808800"/>
           </a:xfrm>
           <a:prstGeom prst="triangle">
             <a:avLst>
@@ -2315,7 +2315,7 @@
         <p:spPr>
           <a:xfrm>
             <a:off x="9334440" y="-8640"/>
-            <a:ext cx="2853720" cy="6865920"/>
+            <a:ext cx="2853360" cy="6865560"/>
           </a:xfrm>
           <a:custGeom>
             <a:avLst/>
@@ -2382,7 +2382,7 @@
         <p:spPr>
           <a:xfrm>
             <a:off x="10898640" y="-8640"/>
-            <a:ext cx="1289520" cy="6865920"/>
+            <a:ext cx="1289160" cy="6865560"/>
           </a:xfrm>
           <a:custGeom>
             <a:avLst/>
@@ -2450,7 +2450,7 @@
         <p:spPr>
           <a:xfrm>
             <a:off x="10938960" y="-8640"/>
-            <a:ext cx="1249200" cy="6865920"/>
+            <a:ext cx="1248840" cy="6865560"/>
           </a:xfrm>
           <a:custGeom>
             <a:avLst/>
@@ -2516,7 +2516,7 @@
         <p:spPr>
           <a:xfrm>
             <a:off x="10371600" y="3589920"/>
-            <a:ext cx="1816560" cy="3267360"/>
+            <a:ext cx="1816200" cy="3267000"/>
           </a:xfrm>
           <a:prstGeom prst="triangle">
             <a:avLst>
@@ -2560,8 +2560,8 @@
         </p:nvSpPr>
         <p:spPr>
           <a:xfrm rot="10800000">
-            <a:off x="1685160" y="11331720"/>
-            <a:ext cx="842040" cy="5665320"/>
+            <a:off x="2527200" y="16997040"/>
+            <a:ext cx="841680" cy="5664960"/>
           </a:xfrm>
           <a:prstGeom prst="triangle">
             <a:avLst>
@@ -2610,7 +2610,7 @@
         <p:spPr>
           <a:xfrm>
             <a:off x="1506960" y="2404440"/>
-            <a:ext cx="7766280" cy="1645560"/>
+            <a:ext cx="7765920" cy="1645200"/>
           </a:xfrm>
           <a:prstGeom prst="rect">
             <a:avLst/>
@@ -2647,7 +2647,7 @@
         <p:spPr>
           <a:xfrm>
             <a:off x="609480" y="1604520"/>
-            <a:ext cx="10972440" cy="3977280"/>
+            <a:ext cx="10972080" cy="3976920"/>
           </a:xfrm>
           <a:prstGeom prst="rect">
             <a:avLst/>
@@ -2665,7 +2665,7 @@
               <a:buChar char=""/>
             </a:pPr>
             <a:r>
-              <a:rPr lang="pt-BR" sz="3200" spc="-1" strike="noStrike">
+              <a:rPr lang="pt-BR" sz="1800" spc="-1" strike="noStrike">
                 <a:solidFill>
                   <a:srgbClr val="000000"/>
                 </a:solidFill>
@@ -2678,7 +2678,7 @@
               </a:rPr>
               <a:t>Clique para editar o formato do texto da estrutura de tópicos</a:t>
             </a:r>
-            <a:endParaRPr lang="pt-BR" sz="3200" spc="-1" strike="noStrike">
+            <a:endParaRPr lang="pt-BR" sz="1800" spc="-1" strike="noStrike">
               <a:solidFill>
                 <a:srgbClr val="000000"/>
               </a:solidFill>
@@ -2700,7 +2700,7 @@
               <a:buChar char=""/>
             </a:pPr>
             <a:r>
-              <a:rPr lang="pt-BR" sz="2800" spc="-1" strike="noStrike">
+              <a:rPr lang="pt-BR" sz="1800" spc="-1" strike="noStrike">
                 <a:solidFill>
                   <a:srgbClr val="000000"/>
                 </a:solidFill>
@@ -2713,7 +2713,7 @@
               </a:rPr>
               <a:t>2.º nível da estrutura de tópicos</a:t>
             </a:r>
-            <a:endParaRPr lang="pt-BR" sz="2800" spc="-1" strike="noStrike">
+            <a:endParaRPr lang="pt-BR" sz="1800" spc="-1" strike="noStrike">
               <a:solidFill>
                 <a:srgbClr val="000000"/>
               </a:solidFill>
@@ -2735,7 +2735,7 @@
               <a:buChar char=""/>
             </a:pPr>
             <a:r>
-              <a:rPr lang="pt-BR" sz="2400" spc="-1" strike="noStrike">
+              <a:rPr lang="pt-BR" sz="1800" spc="-1" strike="noStrike">
                 <a:solidFill>
                   <a:srgbClr val="000000"/>
                 </a:solidFill>
@@ -2748,7 +2748,7 @@
               </a:rPr>
               <a:t>3.º nível da estrutura de tópicos</a:t>
             </a:r>
-            <a:endParaRPr lang="pt-BR" sz="2400" spc="-1" strike="noStrike">
+            <a:endParaRPr lang="pt-BR" sz="1800" spc="-1" strike="noStrike">
               <a:solidFill>
                 <a:srgbClr val="000000"/>
               </a:solidFill>
@@ -2770,7 +2770,7 @@
               <a:buChar char=""/>
             </a:pPr>
             <a:r>
-              <a:rPr lang="pt-BR" sz="2000" spc="-1" strike="noStrike">
+              <a:rPr lang="pt-BR" sz="1800" spc="-1" strike="noStrike">
                 <a:solidFill>
                   <a:srgbClr val="000000"/>
                 </a:solidFill>
@@ -2783,7 +2783,7 @@
               </a:rPr>
               <a:t>4.º nível da estrutura de tópicos</a:t>
             </a:r>
-            <a:endParaRPr lang="pt-BR" sz="2000" spc="-1" strike="noStrike">
+            <a:endParaRPr lang="pt-BR" sz="1800" spc="-1" strike="noStrike">
               <a:solidFill>
                 <a:srgbClr val="000000"/>
               </a:solidFill>
@@ -2805,7 +2805,7 @@
               <a:buChar char=""/>
             </a:pPr>
             <a:r>
-              <a:rPr lang="pt-BR" sz="2000" spc="-1" strike="noStrike">
+              <a:rPr lang="pt-BR" sz="1800" spc="-1" strike="noStrike">
                 <a:solidFill>
                   <a:srgbClr val="000000"/>
                 </a:solidFill>
@@ -2818,7 +2818,7 @@
               </a:rPr>
               <a:t>5.º nível da estrutura de tópicos</a:t>
             </a:r>
-            <a:endParaRPr lang="pt-BR" sz="2000" spc="-1" strike="noStrike">
+            <a:endParaRPr lang="pt-BR" sz="1800" spc="-1" strike="noStrike">
               <a:solidFill>
                 <a:srgbClr val="000000"/>
               </a:solidFill>
@@ -2840,7 +2840,7 @@
               <a:buChar char=""/>
             </a:pPr>
             <a:r>
-              <a:rPr lang="pt-BR" sz="2000" spc="-1" strike="noStrike">
+              <a:rPr lang="pt-BR" sz="1800" spc="-1" strike="noStrike">
                 <a:solidFill>
                   <a:srgbClr val="000000"/>
                 </a:solidFill>
@@ -2853,7 +2853,7 @@
               </a:rPr>
               <a:t>6.º nível da estrutura de tópicos</a:t>
             </a:r>
-            <a:endParaRPr lang="pt-BR" sz="2000" spc="-1" strike="noStrike">
+            <a:endParaRPr lang="pt-BR" sz="1800" spc="-1" strike="noStrike">
               <a:solidFill>
                 <a:srgbClr val="000000"/>
               </a:solidFill>
@@ -2875,7 +2875,7 @@
               <a:buChar char=""/>
             </a:pPr>
             <a:r>
-              <a:rPr lang="pt-BR" sz="2000" spc="-1" strike="noStrike">
+              <a:rPr lang="pt-BR" sz="1800" spc="-1" strike="noStrike">
                 <a:solidFill>
                   <a:srgbClr val="000000"/>
                 </a:solidFill>
@@ -2888,7 +2888,7 @@
               </a:rPr>
               <a:t>7.º nível da estrutura de tópicos</a:t>
             </a:r>
-            <a:endParaRPr lang="pt-BR" sz="2000" spc="-1" strike="noStrike">
+            <a:endParaRPr lang="pt-BR" sz="1800" spc="-1" strike="noStrike">
               <a:solidFill>
                 <a:srgbClr val="000000"/>
               </a:solidFill>
@@ -2948,7 +2948,7 @@
         <p:spPr>
           <a:xfrm>
             <a:off x="571680" y="957240"/>
-            <a:ext cx="9143280" cy="1569240"/>
+            <a:ext cx="9142920" cy="1568880"/>
           </a:xfrm>
           <a:prstGeom prst="rect">
             <a:avLst/>
@@ -2983,6 +2983,7 @@
                   </a:solidFill>
                 </a:uFill>
                 <a:latin typeface="Trebuchet MS"/>
+                <a:ea typeface="DejaVu Sans"/>
               </a:rPr>
               <a:t>TRABALHO SOBRE FERRAMENTAS DE PLANEJAMENTO E CONTROLE </a:t>
             </a:r>
@@ -3009,7 +3010,7 @@
         <p:spPr>
           <a:xfrm>
             <a:off x="1260000" y="3593520"/>
-            <a:ext cx="7766280" cy="1765080"/>
+            <a:ext cx="7765920" cy="1764720"/>
           </a:xfrm>
           <a:prstGeom prst="rect">
             <a:avLst/>
@@ -3044,6 +3045,7 @@
                   </a:solidFill>
                 </a:uFill>
                 <a:latin typeface="Trebuchet MS"/>
+                <a:ea typeface="DejaVu Sans"/>
               </a:rPr>
               <a:t>Realize uma pesquisa na internet e apresente 02 ferramentas de gestão de projeto (uma gratuita e uma paga) com as funções de: planejamento, controle, comunicação, conflito, inspeção e revisão de projetos. </a:t>
             </a:r>
@@ -3119,7 +3121,7 @@
         <p:spPr>
           <a:xfrm>
             <a:off x="571680" y="677880"/>
-            <a:ext cx="9143280" cy="1569240"/>
+            <a:ext cx="9142920" cy="1568880"/>
           </a:xfrm>
           <a:prstGeom prst="rect">
             <a:avLst/>
@@ -3149,6 +3151,7 @@
                   </a:solidFill>
                 </a:uFill>
                 <a:latin typeface="Trebuchet MS"/>
+                <a:ea typeface="DejaVu Sans"/>
               </a:rPr>
               <a:t>FERRAMENTAS DE CONTROLE </a:t>
             </a:r>
@@ -3181,6 +3184,7 @@
                   </a:solidFill>
                 </a:uFill>
                 <a:latin typeface="Trebuchet MS"/>
+                <a:ea typeface="DejaVu Sans"/>
               </a:rPr>
               <a:t>ESCOLHIDA</a:t>
             </a:r>
@@ -3207,7 +3211,7 @@
         <p:spPr>
           <a:xfrm>
             <a:off x="1044360" y="5194440"/>
-            <a:ext cx="8597160" cy="1281960"/>
+            <a:ext cx="8596800" cy="1281600"/>
           </a:xfrm>
           <a:prstGeom prst="rect">
             <a:avLst/>
@@ -3242,6 +3246,7 @@
                   </a:solidFill>
                 </a:uFill>
                 <a:latin typeface="Trebuchet MS"/>
+                <a:ea typeface="DejaVu Sans"/>
               </a:rPr>
               <a:t>Sistema de controle de versão de arquivos</a:t>
             </a:r>
@@ -3274,6 +3279,7 @@
                   </a:solidFill>
                 </a:uFill>
                 <a:latin typeface="Trebuchet MS"/>
+                <a:ea typeface="DejaVu Sans"/>
               </a:rPr>
               <a:t>desenvolvido inicialmente por Linus Torvalds.</a:t>
             </a:r>
@@ -3304,7 +3310,7 @@
         <p:spPr>
           <a:xfrm>
             <a:off x="2771640" y="2632680"/>
-            <a:ext cx="4984200" cy="2080800"/>
+            <a:ext cx="4983840" cy="2080440"/>
           </a:xfrm>
           <a:prstGeom prst="rect">
             <a:avLst/>
@@ -3372,7 +3378,7 @@
         <p:spPr>
           <a:xfrm>
             <a:off x="1044360" y="1903320"/>
-            <a:ext cx="8597160" cy="864360"/>
+            <a:ext cx="8596800" cy="864000"/>
           </a:xfrm>
           <a:prstGeom prst="rect">
             <a:avLst/>
@@ -3407,6 +3413,7 @@
                   </a:solidFill>
                 </a:uFill>
                 <a:latin typeface="Trebuchet MS"/>
+                <a:ea typeface="DejaVu Sans"/>
               </a:rPr>
               <a:t>https://git-scm.com</a:t>
             </a:r>
@@ -3433,7 +3440,7 @@
         <p:spPr>
           <a:xfrm>
             <a:off x="1044360" y="3009960"/>
-            <a:ext cx="8597160" cy="2285280"/>
+            <a:ext cx="8596800" cy="2284920"/>
           </a:xfrm>
           <a:prstGeom prst="rect">
             <a:avLst/>
@@ -3468,6 +3475,7 @@
                   </a:solidFill>
                 </a:uFill>
                 <a:latin typeface="Trebuchet MS"/>
+                <a:ea typeface="DejaVu Sans"/>
               </a:rPr>
               <a:t>O GIT pode ser baixado nas versões Windows, Mac e através do comando: sudo apt-get install git para plataformas Linux/Debian</a:t>
             </a:r>
@@ -3498,7 +3506,7 @@
         <p:spPr>
           <a:xfrm>
             <a:off x="1044360" y="791280"/>
-            <a:ext cx="2301480" cy="960840"/>
+            <a:ext cx="2301120" cy="960480"/>
           </a:xfrm>
           <a:prstGeom prst="rect">
             <a:avLst/>
@@ -3566,7 +3574,7 @@
         <p:spPr>
           <a:xfrm>
             <a:off x="649080" y="2064240"/>
-            <a:ext cx="4177440" cy="864360"/>
+            <a:ext cx="4177080" cy="864000"/>
           </a:xfrm>
           <a:prstGeom prst="rect">
             <a:avLst/>
@@ -3596,6 +3604,7 @@
                   </a:solidFill>
                 </a:uFill>
                 <a:latin typeface="Trebuchet MS"/>
+                <a:ea typeface="DejaVu Sans"/>
               </a:rPr>
               <a:t>GITHUB</a:t>
             </a:r>
@@ -3628,6 +3637,7 @@
                   </a:solidFill>
                 </a:uFill>
                 <a:latin typeface="Trebuchet MS"/>
+                <a:ea typeface="DejaVu Sans"/>
               </a:rPr>
               <a:t>CRIANDO REPOSITÓRIO</a:t>
             </a:r>
@@ -3654,7 +3664,7 @@
         <p:spPr>
           <a:xfrm>
             <a:off x="876240" y="3227760"/>
-            <a:ext cx="3723480" cy="570960"/>
+            <a:ext cx="3723120" cy="570600"/>
           </a:xfrm>
           <a:prstGeom prst="rect">
             <a:avLst/>
@@ -3689,6 +3699,7 @@
                   </a:solidFill>
                 </a:uFill>
                 <a:latin typeface="Trebuchet MS"/>
+                <a:ea typeface="DejaVu Sans"/>
               </a:rPr>
               <a:t>https://</a:t>
             </a:r>
@@ -3703,6 +3714,7 @@
                   </a:solidFill>
                 </a:uFill>
                 <a:latin typeface="Trebuchet MS"/>
+                <a:ea typeface="DejaVu Sans"/>
               </a:rPr>
               <a:t>github.com</a:t>
             </a:r>
@@ -3717,6 +3729,7 @@
                   </a:solidFill>
                 </a:uFill>
                 <a:latin typeface="Trebuchet MS"/>
+                <a:ea typeface="DejaVu Sans"/>
               </a:rPr>
               <a:t>/</a:t>
             </a:r>
@@ -3747,7 +3760,7 @@
         <p:spPr>
           <a:xfrm>
             <a:off x="1044360" y="791280"/>
-            <a:ext cx="2301480" cy="960840"/>
+            <a:ext cx="2301120" cy="960480"/>
           </a:xfrm>
           <a:prstGeom prst="rect">
             <a:avLst/>
@@ -3770,7 +3783,7 @@
         <p:spPr>
           <a:xfrm>
             <a:off x="1184400" y="4225320"/>
-            <a:ext cx="2809080" cy="2075760"/>
+            <a:ext cx="2808720" cy="2075400"/>
           </a:xfrm>
           <a:prstGeom prst="rect">
             <a:avLst/>
@@ -3793,7 +3806,7 @@
         <p:spPr>
           <a:xfrm>
             <a:off x="4600440" y="791280"/>
-            <a:ext cx="4741200" cy="5509800"/>
+            <a:ext cx="4740840" cy="5509440"/>
           </a:xfrm>
           <a:prstGeom prst="rect">
             <a:avLst/>
@@ -3861,7 +3874,7 @@
         <p:spPr>
           <a:xfrm>
             <a:off x="3556080" y="791280"/>
-            <a:ext cx="5793480" cy="864360"/>
+            <a:ext cx="5793120" cy="864000"/>
           </a:xfrm>
           <a:prstGeom prst="rect">
             <a:avLst/>
@@ -3896,6 +3909,7 @@
                   </a:solidFill>
                 </a:uFill>
                 <a:latin typeface="Trebuchet MS"/>
+                <a:ea typeface="DejaVu Sans"/>
               </a:rPr>
               <a:t>TERMINAL – PRIMEIROS PASSOS</a:t>
             </a:r>
@@ -3922,7 +3936,7 @@
         <p:spPr>
           <a:xfrm>
             <a:off x="1368000" y="1944000"/>
-            <a:ext cx="8597160" cy="1151640"/>
+            <a:ext cx="8596800" cy="1151280"/>
           </a:xfrm>
           <a:prstGeom prst="rect">
             <a:avLst/>
@@ -3957,6 +3971,7 @@
                   </a:solidFill>
                 </a:uFill>
                 <a:latin typeface="Trebuchet MS"/>
+                <a:ea typeface="DejaVu Sans"/>
               </a:rPr>
               <a:t>git config --global user.name "equipe west" </a:t>
             </a:r>
@@ -3989,6 +4004,7 @@
                   </a:solidFill>
                 </a:uFill>
                 <a:latin typeface="Trebuchet MS"/>
+                <a:ea typeface="DejaVu Sans"/>
               </a:rPr>
               <a:t>git config --global user.email west@contato.com</a:t>
             </a:r>
@@ -4019,7 +4035,7 @@
         <p:spPr>
           <a:xfrm>
             <a:off x="1044360" y="791280"/>
-            <a:ext cx="2301480" cy="960840"/>
+            <a:ext cx="2301120" cy="960480"/>
           </a:xfrm>
           <a:prstGeom prst="rect">
             <a:avLst/>
@@ -4042,7 +4058,7 @@
         <p:spPr>
           <a:xfrm>
             <a:off x="2016000" y="3312000"/>
-            <a:ext cx="7419240" cy="2647080"/>
+            <a:ext cx="7418880" cy="2646720"/>
           </a:xfrm>
           <a:prstGeom prst="rect">
             <a:avLst/>
@@ -4110,7 +4126,7 @@
         <p:spPr>
           <a:xfrm>
             <a:off x="3556080" y="791280"/>
-            <a:ext cx="5793480" cy="864360"/>
+            <a:ext cx="5793120" cy="864000"/>
           </a:xfrm>
           <a:prstGeom prst="rect">
             <a:avLst/>
@@ -4145,6 +4161,7 @@
                   </a:solidFill>
                 </a:uFill>
                 <a:latin typeface="Trebuchet MS"/>
+                <a:ea typeface="DejaVu Sans"/>
               </a:rPr>
               <a:t>TERMINAL – PRIMEIROS PASSOS</a:t>
             </a:r>
@@ -4171,7 +4188,7 @@
         <p:spPr>
           <a:xfrm>
             <a:off x="1692360" y="1752480"/>
-            <a:ext cx="8597160" cy="570960"/>
+            <a:ext cx="8596800" cy="570600"/>
           </a:xfrm>
           <a:prstGeom prst="rect">
             <a:avLst/>
@@ -4206,6 +4223,7 @@
                   </a:solidFill>
                 </a:uFill>
                 <a:latin typeface="Trebuchet MS"/>
+                <a:ea typeface="DejaVu Sans"/>
               </a:rPr>
               <a:t>$ git init</a:t>
             </a:r>
@@ -4236,7 +4254,7 @@
         <p:spPr>
           <a:xfrm>
             <a:off x="1044360" y="791280"/>
-            <a:ext cx="2301480" cy="960840"/>
+            <a:ext cx="2301120" cy="960480"/>
           </a:xfrm>
           <a:prstGeom prst="rect">
             <a:avLst/>
@@ -4259,7 +4277,7 @@
         <p:spPr>
           <a:xfrm>
             <a:off x="835200" y="2420280"/>
-            <a:ext cx="8514720" cy="3933000"/>
+            <a:ext cx="8514360" cy="3932640"/>
           </a:xfrm>
           <a:prstGeom prst="rect">
             <a:avLst/>
@@ -4327,7 +4345,7 @@
         <p:spPr>
           <a:xfrm>
             <a:off x="3570120" y="791280"/>
-            <a:ext cx="5814360" cy="554400"/>
+            <a:ext cx="5814000" cy="554040"/>
           </a:xfrm>
           <a:prstGeom prst="rect">
             <a:avLst/>
@@ -4362,6 +4380,7 @@
                   </a:solidFill>
                 </a:uFill>
                 <a:latin typeface="Trebuchet MS"/>
+                <a:ea typeface="DejaVu Sans"/>
               </a:rPr>
               <a:t>GITHUB - CLONANDO REPOSITÓRIO</a:t>
             </a:r>
@@ -4388,7 +4407,7 @@
         <p:spPr>
           <a:xfrm>
             <a:off x="3852000" y="1467000"/>
-            <a:ext cx="5327640" cy="570960"/>
+            <a:ext cx="5327280" cy="570600"/>
           </a:xfrm>
           <a:prstGeom prst="rect">
             <a:avLst/>
@@ -4423,6 +4442,7 @@
                   </a:solidFill>
                 </a:uFill>
                 <a:latin typeface="Trebuchet MS"/>
+                <a:ea typeface="DejaVu Sans"/>
               </a:rPr>
               <a:t>$ git clone URL nome/diretório</a:t>
             </a:r>
@@ -4453,7 +4473,7 @@
         <p:spPr>
           <a:xfrm>
             <a:off x="1044360" y="791280"/>
-            <a:ext cx="2301480" cy="960840"/>
+            <a:ext cx="2301120" cy="960480"/>
           </a:xfrm>
           <a:prstGeom prst="rect">
             <a:avLst/>
@@ -4476,7 +4496,7 @@
         <p:spPr>
           <a:xfrm>
             <a:off x="627120" y="3021120"/>
-            <a:ext cx="4123440" cy="2618640"/>
+            <a:ext cx="4123080" cy="2618280"/>
           </a:xfrm>
           <a:prstGeom prst="rect">
             <a:avLst/>
@@ -4499,7 +4519,7 @@
         <p:spPr>
           <a:xfrm>
             <a:off x="5110200" y="2335320"/>
-            <a:ext cx="6314400" cy="3990240"/>
+            <a:ext cx="6314040" cy="3989880"/>
           </a:xfrm>
           <a:prstGeom prst="rect">
             <a:avLst/>
@@ -4567,7 +4587,7 @@
         <p:spPr>
           <a:xfrm>
             <a:off x="1044360" y="1903320"/>
-            <a:ext cx="8597160" cy="864360"/>
+            <a:ext cx="8596800" cy="864000"/>
           </a:xfrm>
           <a:prstGeom prst="rect">
             <a:avLst/>
@@ -4602,6 +4622,7 @@
                   </a:solidFill>
                 </a:uFill>
                 <a:latin typeface="Trebuchet MS"/>
+                <a:ea typeface="DejaVu Sans"/>
               </a:rPr>
               <a:t>BIBLIOGRAFIA</a:t>
             </a:r>
@@ -4628,7 +4649,7 @@
         <p:spPr>
           <a:xfrm>
             <a:off x="1044360" y="3009960"/>
-            <a:ext cx="8597160" cy="2285280"/>
+            <a:ext cx="8596800" cy="2284920"/>
           </a:xfrm>
           <a:prstGeom prst="rect">
             <a:avLst/>
@@ -4663,6 +4684,7 @@
                   </a:solidFill>
                 </a:uFill>
                 <a:latin typeface="Trebuchet MS"/>
+                <a:ea typeface="DejaVu Sans"/>
               </a:rPr>
               <a:t>https://git-scm.com/book/pt-br/v1/Primeiros-passos-Sobre-Controle-de-Vers%C3%A3o</a:t>
             </a:r>
@@ -4695,6 +4717,7 @@
                   </a:solidFill>
                 </a:uFill>
                 <a:latin typeface="Trebuchet MS"/>
+                <a:ea typeface="DejaVu Sans"/>
               </a:rPr>
               <a:t>https://tableless.com.br/tudo-que-voce-queria-saber-sobre-git-e-github-mas-tinha-vergonha-de-perguntar/</a:t>
             </a:r>
@@ -4725,7 +4748,7 @@
         <p:spPr>
           <a:xfrm>
             <a:off x="1044360" y="791280"/>
-            <a:ext cx="2301480" cy="960840"/>
+            <a:ext cx="2301120" cy="960480"/>
           </a:xfrm>
           <a:prstGeom prst="rect">
             <a:avLst/>
